--- a/assets/powerpoint/GoodEats.pptx
+++ b/assets/powerpoint/GoodEats.pptx
@@ -3310,15 +3310,7 @@
                   <a:schemeClr val="tx2"/>
                 </a:solidFill>
               </a:rPr>
-              <a:t>, Nikit</a:t>
-            </a:r>
-            <a:r>
-              <a:rPr lang="en-US" dirty="0" smtClean="0">
-                <a:solidFill>
-                  <a:schemeClr val="tx2"/>
-                </a:solidFill>
-              </a:rPr>
-              <a:t>a </a:t>
+              <a:t>, Nikita </a:t>
             </a:r>
             <a:r>
               <a:rPr lang="en-US" dirty="0" err="1" smtClean="0">
@@ -3339,7 +3331,7 @@
     </p:spTree>
     <p:extLst>
       <p:ext uri="{BB962C8B-B14F-4D97-AF65-F5344CB8AC3E}">
-        <p14:creationId xmlns:p14="http://schemas.microsoft.com/office/powerpoint/2010/main" xmlns="" val="3225304700"/>
+        <p14:creationId xmlns="" xmlns:p14="http://schemas.microsoft.com/office/powerpoint/2010/main" val="3225304700"/>
       </p:ext>
     </p:extLst>
   </p:cSld>
@@ -3393,7 +3385,7 @@
           <a:blip r:embed="rId2" cstate="print">
             <a:extLst>
               <a:ext uri="{28A0092B-C50C-407E-A947-70E740481C1C}">
-                <a14:useLocalDpi xmlns:a14="http://schemas.microsoft.com/office/drawing/2010/main" xmlns="" val="0"/>
+                <a14:useLocalDpi xmlns="" xmlns:a14="http://schemas.microsoft.com/office/drawing/2010/main" val="0"/>
               </a:ext>
             </a:extLst>
           </a:blip>
@@ -3496,7 +3488,7 @@
     </p:spTree>
     <p:extLst>
       <p:ext uri="{BB962C8B-B14F-4D97-AF65-F5344CB8AC3E}">
-        <p14:creationId xmlns:p14="http://schemas.microsoft.com/office/powerpoint/2010/main" xmlns="" val="3540345193"/>
+        <p14:creationId xmlns="" xmlns:p14="http://schemas.microsoft.com/office/powerpoint/2010/main" val="3540345193"/>
       </p:ext>
     </p:extLst>
   </p:cSld>
@@ -3613,7 +3605,7 @@
           <a:blip r:embed="rId2" cstate="print">
             <a:extLst>
               <a:ext uri="{28A0092B-C50C-407E-A947-70E740481C1C}">
-                <a14:useLocalDpi xmlns:a14="http://schemas.microsoft.com/office/drawing/2010/main" xmlns="" val="0"/>
+                <a14:useLocalDpi xmlns="" xmlns:a14="http://schemas.microsoft.com/office/drawing/2010/main" val="0"/>
               </a:ext>
             </a:extLst>
           </a:blip>
@@ -3634,7 +3626,7 @@
     </p:spTree>
     <p:extLst>
       <p:ext uri="{BB962C8B-B14F-4D97-AF65-F5344CB8AC3E}">
-        <p14:creationId xmlns:p14="http://schemas.microsoft.com/office/powerpoint/2010/main" xmlns="" val="1369116465"/>
+        <p14:creationId xmlns="" xmlns:p14="http://schemas.microsoft.com/office/powerpoint/2010/main" val="1369116465"/>
       </p:ext>
     </p:extLst>
   </p:cSld>
@@ -3738,7 +3730,7 @@
           <a:blip r:embed="rId2" cstate="print">
             <a:extLst>
               <a:ext uri="{28A0092B-C50C-407E-A947-70E740481C1C}">
-                <a14:useLocalDpi xmlns:a14="http://schemas.microsoft.com/office/drawing/2010/main" xmlns="" val="0"/>
+                <a14:useLocalDpi xmlns="" xmlns:a14="http://schemas.microsoft.com/office/drawing/2010/main" val="0"/>
               </a:ext>
             </a:extLst>
           </a:blip>
@@ -3759,7 +3751,7 @@
     </p:spTree>
     <p:extLst>
       <p:ext uri="{BB962C8B-B14F-4D97-AF65-F5344CB8AC3E}">
-        <p14:creationId xmlns:p14="http://schemas.microsoft.com/office/powerpoint/2010/main" xmlns="" val="3024955002"/>
+        <p14:creationId xmlns="" xmlns:p14="http://schemas.microsoft.com/office/powerpoint/2010/main" val="3024955002"/>
       </p:ext>
     </p:extLst>
   </p:cSld>
@@ -3937,7 +3929,7 @@
             <a:alphaModFix amt="51000"/>
             <a:extLst>
               <a:ext uri="{28A0092B-C50C-407E-A947-70E740481C1C}">
-                <a14:useLocalDpi xmlns:a14="http://schemas.microsoft.com/office/drawing/2010/main" xmlns="" val="0"/>
+                <a14:useLocalDpi xmlns="" xmlns:a14="http://schemas.microsoft.com/office/drawing/2010/main" val="0"/>
               </a:ext>
             </a:extLst>
           </a:blip>
@@ -3958,7 +3950,7 @@
     </p:spTree>
     <p:extLst>
       <p:ext uri="{BB962C8B-B14F-4D97-AF65-F5344CB8AC3E}">
-        <p14:creationId xmlns:p14="http://schemas.microsoft.com/office/powerpoint/2010/main" xmlns="" val="2605501349"/>
+        <p14:creationId xmlns="" xmlns:p14="http://schemas.microsoft.com/office/powerpoint/2010/main" val="2605501349"/>
       </p:ext>
     </p:extLst>
   </p:cSld>
@@ -4050,20 +4042,13 @@
               <a:t>Link to </a:t>
             </a:r>
             <a:r>
-              <a:rPr lang="en-US" dirty="0" err="1" smtClean="0">
+              <a:rPr lang="en-US" dirty="0" smtClean="0">
                 <a:solidFill>
                   <a:srgbClr val="FF8600"/>
                 </a:solidFill>
+                <a:hlinkClick r:id="rId2"/>
               </a:rPr>
-              <a:t>G</a:t>
-            </a:r>
-            <a:r>
-              <a:rPr lang="en-US" dirty="0" err="1" smtClean="0">
-                <a:solidFill>
-                  <a:srgbClr val="FF8600"/>
-                </a:solidFill>
-              </a:rPr>
-              <a:t>oodEats</a:t>
+              <a:t>Good Eats</a:t>
             </a:r>
             <a:endParaRPr lang="en-US" dirty="0">
               <a:solidFill>
@@ -4076,7 +4061,7 @@
     </p:spTree>
     <p:extLst>
       <p:ext uri="{BB962C8B-B14F-4D97-AF65-F5344CB8AC3E}">
-        <p14:creationId xmlns:p14="http://schemas.microsoft.com/office/powerpoint/2010/main" xmlns="" val="3647700321"/>
+        <p14:creationId xmlns="" xmlns:p14="http://schemas.microsoft.com/office/powerpoint/2010/main" val="3647700321"/>
       </p:ext>
     </p:extLst>
   </p:cSld>
@@ -4227,7 +4212,7 @@
           <a:blip r:embed="rId2" cstate="print">
             <a:extLst>
               <a:ext uri="{28A0092B-C50C-407E-A947-70E740481C1C}">
-                <a14:useLocalDpi xmlns:a14="http://schemas.microsoft.com/office/drawing/2010/main" xmlns="" val="0"/>
+                <a14:useLocalDpi xmlns="" xmlns:a14="http://schemas.microsoft.com/office/drawing/2010/main" val="0"/>
               </a:ext>
             </a:extLst>
           </a:blip>
@@ -4248,7 +4233,7 @@
     </p:spTree>
     <p:extLst>
       <p:ext uri="{BB962C8B-B14F-4D97-AF65-F5344CB8AC3E}">
-        <p14:creationId xmlns:p14="http://schemas.microsoft.com/office/powerpoint/2010/main" xmlns="" val="2286312577"/>
+        <p14:creationId xmlns="" xmlns:p14="http://schemas.microsoft.com/office/powerpoint/2010/main" val="2286312577"/>
       </p:ext>
     </p:extLst>
   </p:cSld>
@@ -4302,7 +4287,7 @@
           <a:blip r:embed="rId2" cstate="print">
             <a:extLst>
               <a:ext uri="{28A0092B-C50C-407E-A947-70E740481C1C}">
-                <a14:useLocalDpi xmlns:a14="http://schemas.microsoft.com/office/drawing/2010/main" xmlns="" val="0"/>
+                <a14:useLocalDpi xmlns="" xmlns:a14="http://schemas.microsoft.com/office/drawing/2010/main" val="0"/>
               </a:ext>
             </a:extLst>
           </a:blip>
@@ -4471,7 +4456,7 @@
     </p:spTree>
     <p:extLst>
       <p:ext uri="{BB962C8B-B14F-4D97-AF65-F5344CB8AC3E}">
-        <p14:creationId xmlns:p14="http://schemas.microsoft.com/office/powerpoint/2010/main" xmlns="" val="4083973581"/>
+        <p14:creationId xmlns="" xmlns:p14="http://schemas.microsoft.com/office/powerpoint/2010/main" val="4083973581"/>
       </p:ext>
     </p:extLst>
   </p:cSld>
@@ -4584,7 +4569,7 @@
     </p:spTree>
     <p:extLst>
       <p:ext uri="{BB962C8B-B14F-4D97-AF65-F5344CB8AC3E}">
-        <p14:creationId xmlns:p14="http://schemas.microsoft.com/office/powerpoint/2010/main" xmlns="" val="3764212781"/>
+        <p14:creationId xmlns="" xmlns:p14="http://schemas.microsoft.com/office/powerpoint/2010/main" val="3764212781"/>
       </p:ext>
     </p:extLst>
   </p:cSld>
